--- a/ch.bfh.btx8081.w2013.blue/doc/task14/Case Study 1 - Task 14.pptx
+++ b/ch.bfh.btx8081.w2013.blue/doc/task14/Case Study 1 - Task 14.pptx
@@ -3575,13 +3575,10 @@
               <a:buChar char="-"/>
             </a:pPr>
             <a:r>
-              <a:rPr lang="de-CH" dirty="0" err="1" smtClean="0"/>
-              <a:t>Screencast</a:t>
-            </a:r>
-            <a:r>
               <a:rPr lang="de-CH" dirty="0" smtClean="0"/>
-              <a:t> Prototype</a:t>
-            </a:r>
+              <a:t>Prototype</a:t>
+            </a:r>
+            <a:endParaRPr lang="de-CH" dirty="0" smtClean="0"/>
           </a:p>
           <a:p>
             <a:pPr marL="342900" indent="-342900">
@@ -3684,12 +3681,8 @@
           <a:lstStyle/>
           <a:p>
             <a:r>
-              <a:rPr lang="de-CH" dirty="0" err="1" smtClean="0"/>
-              <a:t>Screencast</a:t>
-            </a:r>
-            <a:r>
-              <a:rPr lang="de-CH" dirty="0" smtClean="0"/>
-              <a:t> prototype</a:t>
+              <a:rPr lang="de-CH" smtClean="0"/>
+              <a:t>prototype</a:t>
             </a:r>
             <a:endParaRPr lang="de-CH" dirty="0"/>
           </a:p>
